--- a/Presentaties/Week2/Lectures & Lesroosters Inleiding en Datastructuur.pptx
+++ b/Presentaties/Week2/Lectures & Lesroosters Inleiding en Datastructuur.pptx
@@ -503,7 +503,7 @@
           <p:cNvPr id="10" name="Picture 9" descr="A group of people in a room&#10;&#10;Description generated with very high confidence">
             <a:extLst>
               <a:ext uri="{FF2B5EF4-FFF2-40B4-BE49-F238E27FC236}">
-                <a16:creationId xmlns="" xmlns:a16="http://schemas.microsoft.com/office/drawing/2014/main" id="{8A636BD5-65AA-4211-BE9A-C3728CA22021}"/>
+                <a16:creationId xmlns:a16="http://schemas.microsoft.com/office/drawing/2014/main" xmlns="" id="{8A636BD5-65AA-4211-BE9A-C3728CA22021}"/>
               </a:ext>
             </a:extLst>
           </p:cNvPr>
@@ -544,7 +544,7 @@
           <p:cNvPr id="12" name="Picture 11" descr="A group of people in a room&#10;&#10;Description generated with very high confidence">
             <a:extLst>
               <a:ext uri="{FF2B5EF4-FFF2-40B4-BE49-F238E27FC236}">
-                <a16:creationId xmlns="" xmlns:a16="http://schemas.microsoft.com/office/drawing/2014/main" id="{FCCAA0F4-9C7B-4984-8F70-FA270D007429}"/>
+                <a16:creationId xmlns:a16="http://schemas.microsoft.com/office/drawing/2014/main" xmlns="" id="{FCCAA0F4-9C7B-4984-8F70-FA270D007429}"/>
               </a:ext>
             </a:extLst>
           </p:cNvPr>
@@ -615,7 +615,7 @@
           <p:cNvPr id="2" name="Title 1">
             <a:extLst>
               <a:ext uri="{FF2B5EF4-FFF2-40B4-BE49-F238E27FC236}">
-                <a16:creationId xmlns="" xmlns:a16="http://schemas.microsoft.com/office/drawing/2014/main" id="{6FC13C6F-2E16-4E4C-84CC-D4DAFCB2700D}"/>
+                <a16:creationId xmlns:a16="http://schemas.microsoft.com/office/drawing/2014/main" xmlns="" id="{6FC13C6F-2E16-4E4C-84CC-D4DAFCB2700D}"/>
               </a:ext>
             </a:extLst>
           </p:cNvPr>
@@ -653,7 +653,7 @@
           <p:cNvPr id="3" name="Subtitle 2">
             <a:extLst>
               <a:ext uri="{FF2B5EF4-FFF2-40B4-BE49-F238E27FC236}">
-                <a16:creationId xmlns="" xmlns:a16="http://schemas.microsoft.com/office/drawing/2014/main" id="{453CFFDF-F98C-4C73-86C1-B63C7BFD4C39}"/>
+                <a16:creationId xmlns:a16="http://schemas.microsoft.com/office/drawing/2014/main" xmlns="" id="{453CFFDF-F98C-4C73-86C1-B63C7BFD4C39}"/>
               </a:ext>
             </a:extLst>
           </p:cNvPr>
@@ -724,7 +724,7 @@
           <p:cNvPr id="4" name="Date Placeholder 3">
             <a:extLst>
               <a:ext uri="{FF2B5EF4-FFF2-40B4-BE49-F238E27FC236}">
-                <a16:creationId xmlns="" xmlns:a16="http://schemas.microsoft.com/office/drawing/2014/main" id="{CFA081B8-BD76-443C-93F5-08182166D8D0}"/>
+                <a16:creationId xmlns:a16="http://schemas.microsoft.com/office/drawing/2014/main" xmlns="" id="{CFA081B8-BD76-443C-93F5-08182166D8D0}"/>
               </a:ext>
             </a:extLst>
           </p:cNvPr>
@@ -753,7 +753,7 @@
           <p:cNvPr id="5" name="Footer Placeholder 4">
             <a:extLst>
               <a:ext uri="{FF2B5EF4-FFF2-40B4-BE49-F238E27FC236}">
-                <a16:creationId xmlns="" xmlns:a16="http://schemas.microsoft.com/office/drawing/2014/main" id="{B372371A-431A-4C4A-B2D5-5DB4CE736915}"/>
+                <a16:creationId xmlns:a16="http://schemas.microsoft.com/office/drawing/2014/main" xmlns="" id="{B372371A-431A-4C4A-B2D5-5DB4CE736915}"/>
               </a:ext>
             </a:extLst>
           </p:cNvPr>
@@ -778,7 +778,7 @@
           <p:cNvPr id="6" name="Slide Number Placeholder 5">
             <a:extLst>
               <a:ext uri="{FF2B5EF4-FFF2-40B4-BE49-F238E27FC236}">
-                <a16:creationId xmlns="" xmlns:a16="http://schemas.microsoft.com/office/drawing/2014/main" id="{4440A448-9C23-42D3-B380-8BFAE71DF757}"/>
+                <a16:creationId xmlns:a16="http://schemas.microsoft.com/office/drawing/2014/main" xmlns="" id="{4440A448-9C23-42D3-B380-8BFAE71DF757}"/>
               </a:ext>
             </a:extLst>
           </p:cNvPr>
@@ -1347,7 +1347,7 @@
           <p:cNvPr id="9" name="Picture 8" descr="A group of people in a room&#10;&#10;Description generated with very high confidence">
             <a:extLst>
               <a:ext uri="{FF2B5EF4-FFF2-40B4-BE49-F238E27FC236}">
-                <a16:creationId xmlns="" xmlns:a16="http://schemas.microsoft.com/office/drawing/2014/main" id="{1100C0BB-10D3-488D-AF46-8E80E778FCC2}"/>
+                <a16:creationId xmlns:a16="http://schemas.microsoft.com/office/drawing/2014/main" xmlns="" id="{1100C0BB-10D3-488D-AF46-8E80E778FCC2}"/>
               </a:ext>
             </a:extLst>
           </p:cNvPr>
@@ -3025,7 +3025,7 @@
           <p:cNvPr id="8" name="Picture 7" descr="A group of people in a room&#10;&#10;Description generated with very high confidence">
             <a:extLst>
               <a:ext uri="{FF2B5EF4-FFF2-40B4-BE49-F238E27FC236}">
-                <a16:creationId xmlns="" xmlns:a16="http://schemas.microsoft.com/office/drawing/2014/main" id="{E8DF0BB6-DCAB-4E9C-8305-3C25099E8419}"/>
+                <a16:creationId xmlns:a16="http://schemas.microsoft.com/office/drawing/2014/main" xmlns="" id="{E8DF0BB6-DCAB-4E9C-8305-3C25099E8419}"/>
               </a:ext>
             </a:extLst>
           </p:cNvPr>
@@ -3459,7 +3459,7 @@
           <p:cNvPr id="2" name="Title 1">
             <a:extLst>
               <a:ext uri="{FF2B5EF4-FFF2-40B4-BE49-F238E27FC236}">
-                <a16:creationId xmlns="" xmlns:a16="http://schemas.microsoft.com/office/drawing/2014/main" id="{DFB35624-C45A-4417-8484-F487F43C3428}"/>
+                <a16:creationId xmlns:a16="http://schemas.microsoft.com/office/drawing/2014/main" xmlns="" id="{DFB35624-C45A-4417-8484-F487F43C3428}"/>
               </a:ext>
             </a:extLst>
           </p:cNvPr>
@@ -3487,7 +3487,7 @@
           <p:cNvPr id="3" name="Text Placeholder 2">
             <a:extLst>
               <a:ext uri="{FF2B5EF4-FFF2-40B4-BE49-F238E27FC236}">
-                <a16:creationId xmlns="" xmlns:a16="http://schemas.microsoft.com/office/drawing/2014/main" id="{F477C6E4-8C06-4C8A-8A0C-C1EDED58155D}"/>
+                <a16:creationId xmlns:a16="http://schemas.microsoft.com/office/drawing/2014/main" xmlns="" id="{F477C6E4-8C06-4C8A-8A0C-C1EDED58155D}"/>
               </a:ext>
             </a:extLst>
           </p:cNvPr>
@@ -4049,7 +4049,7 @@
           <p:cNvPr id="2" name="Title 1">
             <a:extLst>
               <a:ext uri="{FF2B5EF4-FFF2-40B4-BE49-F238E27FC236}">
-                <a16:creationId xmlns="" xmlns:a16="http://schemas.microsoft.com/office/drawing/2014/main" id="{AE1733C9-54EC-4DA5-832E-FF885E5A6582}"/>
+                <a16:creationId xmlns:a16="http://schemas.microsoft.com/office/drawing/2014/main" xmlns="" id="{AE1733C9-54EC-4DA5-832E-FF885E5A6582}"/>
               </a:ext>
             </a:extLst>
           </p:cNvPr>
@@ -4083,7 +4083,7 @@
           <p:cNvPr id="3" name="Subtitle 2">
             <a:extLst>
               <a:ext uri="{FF2B5EF4-FFF2-40B4-BE49-F238E27FC236}">
-                <a16:creationId xmlns="" xmlns:a16="http://schemas.microsoft.com/office/drawing/2014/main" id="{53B49D3B-B44F-4EA8-A8F8-7BB1EE366C02}"/>
+                <a16:creationId xmlns:a16="http://schemas.microsoft.com/office/drawing/2014/main" xmlns="" id="{53B49D3B-B44F-4EA8-A8F8-7BB1EE366C02}"/>
               </a:ext>
             </a:extLst>
           </p:cNvPr>
@@ -4199,7 +4199,7 @@
           <p:cNvPr id="2" name="Title 1">
             <a:extLst>
               <a:ext uri="{FF2B5EF4-FFF2-40B4-BE49-F238E27FC236}">
-                <a16:creationId xmlns="" xmlns:a16="http://schemas.microsoft.com/office/drawing/2014/main" id="{460B92D0-C3FC-4816-BD32-0EB0C8AE980D}"/>
+                <a16:creationId xmlns:a16="http://schemas.microsoft.com/office/drawing/2014/main" xmlns="" id="{460B92D0-C3FC-4816-BD32-0EB0C8AE980D}"/>
               </a:ext>
             </a:extLst>
           </p:cNvPr>
@@ -4234,7 +4234,7 @@
           <p:cNvPr id="3" name="Content Placeholder 2">
             <a:extLst>
               <a:ext uri="{FF2B5EF4-FFF2-40B4-BE49-F238E27FC236}">
-                <a16:creationId xmlns="" xmlns:a16="http://schemas.microsoft.com/office/drawing/2014/main" id="{39DE8E62-E349-4FAC-AC22-7E063D842504}"/>
+                <a16:creationId xmlns:a16="http://schemas.microsoft.com/office/drawing/2014/main" xmlns="" id="{39DE8E62-E349-4FAC-AC22-7E063D842504}"/>
               </a:ext>
             </a:extLst>
           </p:cNvPr>
@@ -4322,7 +4322,7 @@
           <p:cNvPr id="4" name="Picture 3">
             <a:extLst>
               <a:ext uri="{FF2B5EF4-FFF2-40B4-BE49-F238E27FC236}">
-                <a16:creationId xmlns="" xmlns:a16="http://schemas.microsoft.com/office/drawing/2014/main" id="{553AD8A9-86F0-44D6-A367-4707FE0F288E}"/>
+                <a16:creationId xmlns:a16="http://schemas.microsoft.com/office/drawing/2014/main" xmlns="" id="{553AD8A9-86F0-44D6-A367-4707FE0F288E}"/>
               </a:ext>
             </a:extLst>
           </p:cNvPr>
@@ -4389,7 +4389,7 @@
           <p:cNvPr id="2" name="Title 1">
             <a:extLst>
               <a:ext uri="{FF2B5EF4-FFF2-40B4-BE49-F238E27FC236}">
-                <a16:creationId xmlns="" xmlns:a16="http://schemas.microsoft.com/office/drawing/2014/main" id="{460B92D0-C3FC-4816-BD32-0EB0C8AE980D}"/>
+                <a16:creationId xmlns:a16="http://schemas.microsoft.com/office/drawing/2014/main" xmlns="" id="{460B92D0-C3FC-4816-BD32-0EB0C8AE980D}"/>
               </a:ext>
             </a:extLst>
           </p:cNvPr>
@@ -4424,7 +4424,7 @@
           <p:cNvPr id="3" name="Content Placeholder 2">
             <a:extLst>
               <a:ext uri="{FF2B5EF4-FFF2-40B4-BE49-F238E27FC236}">
-                <a16:creationId xmlns="" xmlns:a16="http://schemas.microsoft.com/office/drawing/2014/main" id="{39DE8E62-E349-4FAC-AC22-7E063D842504}"/>
+                <a16:creationId xmlns:a16="http://schemas.microsoft.com/office/drawing/2014/main" xmlns="" id="{39DE8E62-E349-4FAC-AC22-7E063D842504}"/>
               </a:ext>
             </a:extLst>
           </p:cNvPr>
@@ -4569,7 +4569,7 @@
           <p:cNvPr id="2" name="Title 1">
             <a:extLst>
               <a:ext uri="{FF2B5EF4-FFF2-40B4-BE49-F238E27FC236}">
-                <a16:creationId xmlns="" xmlns:a16="http://schemas.microsoft.com/office/drawing/2014/main" id="{460B92D0-C3FC-4816-BD32-0EB0C8AE980D}"/>
+                <a16:creationId xmlns:a16="http://schemas.microsoft.com/office/drawing/2014/main" xmlns="" id="{460B92D0-C3FC-4816-BD32-0EB0C8AE980D}"/>
               </a:ext>
             </a:extLst>
           </p:cNvPr>
@@ -4604,7 +4604,7 @@
           <p:cNvPr id="3" name="Content Placeholder 2">
             <a:extLst>
               <a:ext uri="{FF2B5EF4-FFF2-40B4-BE49-F238E27FC236}">
-                <a16:creationId xmlns="" xmlns:a16="http://schemas.microsoft.com/office/drawing/2014/main" id="{39DE8E62-E349-4FAC-AC22-7E063D842504}"/>
+                <a16:creationId xmlns:a16="http://schemas.microsoft.com/office/drawing/2014/main" xmlns="" id="{39DE8E62-E349-4FAC-AC22-7E063D842504}"/>
               </a:ext>
             </a:extLst>
           </p:cNvPr>
@@ -4764,7 +4764,7 @@
           <p:cNvPr id="2" name="Title 1">
             <a:extLst>
               <a:ext uri="{FF2B5EF4-FFF2-40B4-BE49-F238E27FC236}">
-                <a16:creationId xmlns="" xmlns:a16="http://schemas.microsoft.com/office/drawing/2014/main" id="{460B92D0-C3FC-4816-BD32-0EB0C8AE980D}"/>
+                <a16:creationId xmlns:a16="http://schemas.microsoft.com/office/drawing/2014/main" xmlns="" id="{460B92D0-C3FC-4816-BD32-0EB0C8AE980D}"/>
               </a:ext>
             </a:extLst>
           </p:cNvPr>
@@ -4800,7 +4800,7 @@
           <p:cNvPr id="3" name="Content Placeholder 2">
             <a:extLst>
               <a:ext uri="{FF2B5EF4-FFF2-40B4-BE49-F238E27FC236}">
-                <a16:creationId xmlns="" xmlns:a16="http://schemas.microsoft.com/office/drawing/2014/main" id="{39DE8E62-E349-4FAC-AC22-7E063D842504}"/>
+                <a16:creationId xmlns:a16="http://schemas.microsoft.com/office/drawing/2014/main" xmlns="" id="{39DE8E62-E349-4FAC-AC22-7E063D842504}"/>
               </a:ext>
             </a:extLst>
           </p:cNvPr>
@@ -4850,15 +4850,7 @@
           <a:p>
             <a:r>
               <a:rPr lang="nl-NL" sz="2000" dirty="0" smtClean="0"/>
-              <a:t>20 punten per vak dat netjes is verdeeld </a:t>
-            </a:r>
-            <a:r>
-              <a:rPr lang="nl-NL" sz="2000" dirty="0" smtClean="0"/>
-              <a:t>over de </a:t>
-            </a:r>
-            <a:r>
-              <a:rPr lang="nl-NL" sz="2000" dirty="0" smtClean="0"/>
-              <a:t>week</a:t>
+              <a:t>20 punten per vak dat netjes is verdeeld over de week</a:t>
             </a:r>
           </a:p>
           <a:p>
@@ -4879,26 +4871,13 @@
           <a:p>
             <a:r>
               <a:rPr lang="nl-NL" sz="2000" dirty="0" smtClean="0"/>
-              <a:t>1 punt  </a:t>
-            </a:r>
+              <a:t>1 punt  voor iedere student die niet in de zaal past</a:t>
+            </a:r>
+          </a:p>
+          <a:p>
             <a:r>
               <a:rPr lang="nl-NL" sz="2000" dirty="0" smtClean="0"/>
-              <a:t>voor </a:t>
-            </a:r>
-            <a:r>
-              <a:rPr lang="nl-NL" sz="2000" dirty="0" smtClean="0"/>
-              <a:t>iedere student die niet in de zaal past</a:t>
-            </a:r>
-            <a:endParaRPr lang="nl-NL" sz="2000" dirty="0" smtClean="0"/>
-          </a:p>
-          <a:p>
-            <a:r>
-              <a:rPr lang="nl-NL" sz="2000" dirty="0" smtClean="0"/>
-              <a:t>1 </a:t>
-            </a:r>
-            <a:r>
-              <a:rPr lang="nl-NL" sz="2000" dirty="0" smtClean="0"/>
-              <a:t>punt per roosterconflict voor een student</a:t>
+              <a:t>1 punt per roosterconflict voor een student</a:t>
             </a:r>
           </a:p>
           <a:p>
@@ -4924,7 +4903,6 @@
               <a:rPr lang="nl-NL" sz="2000" dirty="0" smtClean="0"/>
               <a:t>30 punten als x activiteiten op x-3 dagen gepland</a:t>
             </a:r>
-            <a:endParaRPr lang="nl-NL" sz="2000" dirty="0" smtClean="0"/>
           </a:p>
           <a:p>
             <a:pPr marL="0" indent="0">
@@ -5935,8 +5913,26 @@
               <a:t> = </a:t>
             </a:r>
             <a:r>
-              <a:rPr lang="nl-NL" sz="2200" dirty="0" err="1"/>
+              <a:rPr lang="nl-NL" sz="2200" dirty="0" err="1" smtClean="0"/>
               <a:t>welkeStud</a:t>
+            </a:r>
+            <a:endParaRPr lang="nl-NL" sz="2200" dirty="0" smtClean="0"/>
+          </a:p>
+          <a:p>
+            <a:pPr marL="0" indent="0">
+              <a:buNone/>
+            </a:pPr>
+            <a:r>
+              <a:rPr lang="nl-NL" sz="2200" dirty="0" smtClean="0"/>
+              <a:t>        </a:t>
+            </a:r>
+            <a:r>
+              <a:rPr lang="nl-NL" sz="2200" dirty="0" err="1" smtClean="0"/>
+              <a:t>self.dag</a:t>
+            </a:r>
+            <a:r>
+              <a:rPr lang="nl-NL" sz="2200" smtClean="0"/>
+              <a:t> = dag</a:t>
             </a:r>
             <a:endParaRPr lang="nl-NL" sz="2200" dirty="0" smtClean="0"/>
           </a:p>
